--- a/Week6/week6 Basic Concepts for Neural Networks.pptx
+++ b/Week6/week6 Basic Concepts for Neural Networks.pptx
@@ -270,7 +270,7 @@
           <a:p>
             <a:fld id="{D9D2A4DD-E6C5-4446-8814-DDCEAB64F4E0}" type="datetimeFigureOut">
               <a:rPr lang="ko-KR" altLang="en-US" smtClean="0"/>
-              <a:t>2023-04-11</a:t>
+              <a:t>2024-04-09</a:t>
             </a:fld>
             <a:endParaRPr lang="ko-KR" altLang="en-US"/>
           </a:p>
@@ -435,7 +435,7 @@
           <a:p>
             <a:fld id="{BF4D36B7-6BC9-4358-A9C9-63F4AFA82B46}" type="datetimeFigureOut">
               <a:rPr lang="ko-KR" altLang="en-US" smtClean="0"/>
-              <a:t>2023-04-11</a:t>
+              <a:t>2024-04-09</a:t>
             </a:fld>
             <a:endParaRPr lang="ko-KR" altLang="en-US"/>
           </a:p>
@@ -4781,7 +4781,7 @@
           <a:p>
             <a:fld id="{178ADFAC-D890-497A-A497-2A400DD02E74}" type="datetimeFigureOut">
               <a:rPr lang="ko-KR" altLang="en-US" smtClean="0"/>
-              <a:t>2023-04-11</a:t>
+              <a:t>2024-04-09</a:t>
             </a:fld>
             <a:endParaRPr lang="ko-KR" altLang="en-US"/>
           </a:p>
@@ -4951,7 +4951,7 @@
           <a:p>
             <a:fld id="{178ADFAC-D890-497A-A497-2A400DD02E74}" type="datetimeFigureOut">
               <a:rPr lang="ko-KR" altLang="en-US" smtClean="0"/>
-              <a:t>2023-04-11</a:t>
+              <a:t>2024-04-09</a:t>
             </a:fld>
             <a:endParaRPr lang="ko-KR" altLang="en-US"/>
           </a:p>
@@ -5131,7 +5131,7 @@
           <a:p>
             <a:fld id="{178ADFAC-D890-497A-A497-2A400DD02E74}" type="datetimeFigureOut">
               <a:rPr lang="ko-KR" altLang="en-US" smtClean="0"/>
-              <a:t>2023-04-11</a:t>
+              <a:t>2024-04-09</a:t>
             </a:fld>
             <a:endParaRPr lang="ko-KR" altLang="en-US"/>
           </a:p>
@@ -5301,7 +5301,7 @@
           <a:p>
             <a:fld id="{178ADFAC-D890-497A-A497-2A400DD02E74}" type="datetimeFigureOut">
               <a:rPr lang="ko-KR" altLang="en-US" smtClean="0"/>
-              <a:t>2023-04-11</a:t>
+              <a:t>2024-04-09</a:t>
             </a:fld>
             <a:endParaRPr lang="ko-KR" altLang="en-US"/>
           </a:p>
@@ -5545,7 +5545,7 @@
           <a:p>
             <a:fld id="{178ADFAC-D890-497A-A497-2A400DD02E74}" type="datetimeFigureOut">
               <a:rPr lang="ko-KR" altLang="en-US" smtClean="0"/>
-              <a:t>2023-04-11</a:t>
+              <a:t>2024-04-09</a:t>
             </a:fld>
             <a:endParaRPr lang="ko-KR" altLang="en-US"/>
           </a:p>
@@ -5777,7 +5777,7 @@
           <a:p>
             <a:fld id="{178ADFAC-D890-497A-A497-2A400DD02E74}" type="datetimeFigureOut">
               <a:rPr lang="ko-KR" altLang="en-US" smtClean="0"/>
-              <a:t>2023-04-11</a:t>
+              <a:t>2024-04-09</a:t>
             </a:fld>
             <a:endParaRPr lang="ko-KR" altLang="en-US"/>
           </a:p>
@@ -6144,7 +6144,7 @@
           <a:p>
             <a:fld id="{178ADFAC-D890-497A-A497-2A400DD02E74}" type="datetimeFigureOut">
               <a:rPr lang="ko-KR" altLang="en-US" smtClean="0"/>
-              <a:t>2023-04-11</a:t>
+              <a:t>2024-04-09</a:t>
             </a:fld>
             <a:endParaRPr lang="ko-KR" altLang="en-US"/>
           </a:p>
@@ -6262,7 +6262,7 @@
           <a:p>
             <a:fld id="{178ADFAC-D890-497A-A497-2A400DD02E74}" type="datetimeFigureOut">
               <a:rPr lang="ko-KR" altLang="en-US" smtClean="0"/>
-              <a:t>2023-04-11</a:t>
+              <a:t>2024-04-09</a:t>
             </a:fld>
             <a:endParaRPr lang="ko-KR" altLang="en-US"/>
           </a:p>
@@ -6357,7 +6357,7 @@
           <a:p>
             <a:fld id="{178ADFAC-D890-497A-A497-2A400DD02E74}" type="datetimeFigureOut">
               <a:rPr lang="ko-KR" altLang="en-US" smtClean="0"/>
-              <a:t>2023-04-11</a:t>
+              <a:t>2024-04-09</a:t>
             </a:fld>
             <a:endParaRPr lang="ko-KR" altLang="en-US"/>
           </a:p>
@@ -6634,7 +6634,7 @@
           <a:p>
             <a:fld id="{178ADFAC-D890-497A-A497-2A400DD02E74}" type="datetimeFigureOut">
               <a:rPr lang="ko-KR" altLang="en-US" smtClean="0"/>
-              <a:t>2023-04-11</a:t>
+              <a:t>2024-04-09</a:t>
             </a:fld>
             <a:endParaRPr lang="ko-KR" altLang="en-US"/>
           </a:p>
@@ -6891,7 +6891,7 @@
           <a:p>
             <a:fld id="{178ADFAC-D890-497A-A497-2A400DD02E74}" type="datetimeFigureOut">
               <a:rPr lang="ko-KR" altLang="en-US" smtClean="0"/>
-              <a:t>2023-04-11</a:t>
+              <a:t>2024-04-09</a:t>
             </a:fld>
             <a:endParaRPr lang="ko-KR" altLang="en-US"/>
           </a:p>
@@ -7104,7 +7104,7 @@
           <a:p>
             <a:fld id="{178ADFAC-D890-497A-A497-2A400DD02E74}" type="datetimeFigureOut">
               <a:rPr lang="ko-KR" altLang="en-US" smtClean="0"/>
-              <a:t>2023-04-11</a:t>
+              <a:t>2024-04-09</a:t>
             </a:fld>
             <a:endParaRPr lang="ko-KR" altLang="en-US"/>
           </a:p>
@@ -24971,8 +24971,23 @@
                 </a:solidFill>
                 <a:latin typeface="Arial Narrow" panose="020B0606020202030204" pitchFamily="34" charset="0"/>
               </a:rPr>
-              <a:t> results in zero values, so the weight matrix of zero nodes is no longer trained.</a:t>
+              <a:t> can result in zero values when </a:t>
             </a:r>
+            <a:r>
+              <a:rPr lang="en-US" altLang="ko-KR">
+                <a:solidFill>
+                  <a:srgbClr val="222222"/>
+                </a:solidFill>
+                <a:latin typeface="Arial Narrow" panose="020B0606020202030204" pitchFamily="34" charset="0"/>
+              </a:rPr>
+              <a:t>x is less than or equal to zero, so the weight matrix of zero nodes is no longer trained.</a:t>
+            </a:r>
+            <a:endParaRPr lang="en-US" altLang="ko-KR" dirty="0">
+              <a:solidFill>
+                <a:srgbClr val="222222"/>
+              </a:solidFill>
+              <a:latin typeface="Arial Narrow" panose="020B0606020202030204" pitchFamily="34" charset="0"/>
+            </a:endParaRPr>
           </a:p>
           <a:p>
             <a:pPr marL="1198800" lvl="2" indent="-284400">
